--- a/BloodLife Presentation.pptx
+++ b/BloodLife Presentation.pptx
@@ -7,13 +7,16 @@
   <p:sldIdLst>
     <p:sldId id="256" r:id="rId2"/>
     <p:sldId id="257" r:id="rId3"/>
-    <p:sldId id="258" r:id="rId4"/>
-    <p:sldId id="259" r:id="rId5"/>
+    <p:sldId id="267" r:id="rId4"/>
+    <p:sldId id="258" r:id="rId5"/>
     <p:sldId id="260" r:id="rId6"/>
-    <p:sldId id="261" r:id="rId7"/>
-    <p:sldId id="262" r:id="rId8"/>
-    <p:sldId id="263" r:id="rId9"/>
-    <p:sldId id="264" r:id="rId10"/>
+    <p:sldId id="259" r:id="rId7"/>
+    <p:sldId id="261" r:id="rId8"/>
+    <p:sldId id="262" r:id="rId9"/>
+    <p:sldId id="263" r:id="rId10"/>
+    <p:sldId id="264" r:id="rId11"/>
+    <p:sldId id="265" r:id="rId12"/>
+    <p:sldId id="266" r:id="rId13"/>
   </p:sldIdLst>
   <p:sldSz cx="12192000" cy="6858000"/>
   <p:notesSz cx="6858000" cy="9144000"/>
@@ -112,6 +115,11 @@
       </a:defRPr>
     </a:lvl9pPr>
   </p:defaultTextStyle>
+  <p:extLst>
+    <p:ext uri="{EFAFB233-063F-42B5-8137-9DF3F51BA10A}">
+      <p15:sldGuideLst xmlns:p15="http://schemas.microsoft.com/office/powerpoint/2012/main"/>
+    </p:ext>
+  </p:extLst>
 </p:presentation>
 </file>
 
@@ -3398,6 +3406,401 @@
 </p:sld>
 </file>
 
+<file path=ppt/slides/slide10.xml><?xml version="1.0" encoding="utf-8"?>
+<p:sld xmlns:a="http://schemas.openxmlformats.org/drawingml/2006/main" xmlns:r="http://schemas.openxmlformats.org/officeDocument/2006/relationships" xmlns:p="http://schemas.openxmlformats.org/presentationml/2006/main">
+  <p:cSld>
+    <p:spTree>
+      <p:nvGrpSpPr>
+        <p:cNvPr id="1" name="">
+          <a:extLst>
+            <a:ext uri="{FF2B5EF4-FFF2-40B4-BE49-F238E27FC236}">
+              <a16:creationId xmlns:a16="http://schemas.microsoft.com/office/drawing/2014/main" id="{5CC0637A-4F4C-856E-5857-90CBAA65A206}"/>
+            </a:ext>
+          </a:extLst>
+        </p:cNvPr>
+        <p:cNvGrpSpPr/>
+        <p:nvPr/>
+      </p:nvGrpSpPr>
+      <p:grpSpPr>
+        <a:xfrm>
+          <a:off x="0" y="0"/>
+          <a:ext cx="0" cy="0"/>
+          <a:chOff x="0" y="0"/>
+          <a:chExt cx="0" cy="0"/>
+        </a:xfrm>
+      </p:grpSpPr>
+      <p:sp>
+        <p:nvSpPr>
+          <p:cNvPr id="2" name="Title 1">
+            <a:extLst>
+              <a:ext uri="{FF2B5EF4-FFF2-40B4-BE49-F238E27FC236}">
+                <a16:creationId xmlns:a16="http://schemas.microsoft.com/office/drawing/2014/main" id="{5E37C241-CF2A-9FA3-8B4B-F9F2CA5ABD3B}"/>
+              </a:ext>
+            </a:extLst>
+          </p:cNvPr>
+          <p:cNvSpPr>
+            <a:spLocks noGrp="1"/>
+          </p:cNvSpPr>
+          <p:nvPr>
+            <p:ph type="title"/>
+          </p:nvPr>
+        </p:nvSpPr>
+        <p:spPr/>
+        <p:txBody>
+          <a:bodyPr/>
+          <a:lstStyle/>
+          <a:p>
+            <a:r>
+              <a:rPr lang="en-US" dirty="0"/>
+              <a:t>Profile Page</a:t>
+            </a:r>
+          </a:p>
+        </p:txBody>
+      </p:sp>
+      <p:sp>
+        <p:nvSpPr>
+          <p:cNvPr id="3" name="Content Placeholder 2">
+            <a:extLst>
+              <a:ext uri="{FF2B5EF4-FFF2-40B4-BE49-F238E27FC236}">
+                <a16:creationId xmlns:a16="http://schemas.microsoft.com/office/drawing/2014/main" id="{FC6A8DCF-019A-C622-D28A-08D9315E72F3}"/>
+              </a:ext>
+            </a:extLst>
+          </p:cNvPr>
+          <p:cNvSpPr>
+            <a:spLocks noGrp="1"/>
+          </p:cNvSpPr>
+          <p:nvPr>
+            <p:ph idx="1"/>
+          </p:nvPr>
+        </p:nvSpPr>
+        <p:spPr>
+          <a:xfrm>
+            <a:off x="838200" y="1825625"/>
+            <a:ext cx="6962775" cy="4351338"/>
+          </a:xfrm>
+        </p:spPr>
+        <p:txBody>
+          <a:bodyPr/>
+          <a:lstStyle/>
+          <a:p>
+            <a:r>
+              <a:rPr lang="en-US" dirty="0"/>
+              <a:t>The profile page will allow the user to change their password, delete their account or logout of their account.</a:t>
+            </a:r>
+          </a:p>
+        </p:txBody>
+      </p:sp>
+      <p:pic>
+        <p:nvPicPr>
+          <p:cNvPr id="6" name="Picture 5">
+            <a:extLst>
+              <a:ext uri="{FF2B5EF4-FFF2-40B4-BE49-F238E27FC236}">
+                <a16:creationId xmlns:a16="http://schemas.microsoft.com/office/drawing/2014/main" id="{721C2B4B-81E0-D7A3-FE61-2F4BBBDB2707}"/>
+              </a:ext>
+            </a:extLst>
+          </p:cNvPr>
+          <p:cNvPicPr>
+            <a:picLocks noChangeAspect="1"/>
+          </p:cNvPicPr>
+          <p:nvPr/>
+        </p:nvPicPr>
+        <p:blipFill>
+          <a:blip r:embed="rId2"/>
+          <a:stretch>
+            <a:fillRect/>
+          </a:stretch>
+        </p:blipFill>
+        <p:spPr>
+          <a:xfrm>
+            <a:off x="8190539" y="226417"/>
+            <a:ext cx="3163261" cy="6405166"/>
+          </a:xfrm>
+          <a:prstGeom prst="rect">
+            <a:avLst/>
+          </a:prstGeom>
+        </p:spPr>
+      </p:pic>
+    </p:spTree>
+    <p:extLst>
+      <p:ext uri="{BB962C8B-B14F-4D97-AF65-F5344CB8AC3E}">
+        <p14:creationId xmlns:p14="http://schemas.microsoft.com/office/powerpoint/2010/main" val="305238961"/>
+      </p:ext>
+    </p:extLst>
+  </p:cSld>
+  <p:clrMapOvr>
+    <a:masterClrMapping/>
+  </p:clrMapOvr>
+</p:sld>
+</file>
+
+<file path=ppt/slides/slide11.xml><?xml version="1.0" encoding="utf-8"?>
+<p:sld xmlns:a="http://schemas.openxmlformats.org/drawingml/2006/main" xmlns:r="http://schemas.openxmlformats.org/officeDocument/2006/relationships" xmlns:p="http://schemas.openxmlformats.org/presentationml/2006/main">
+  <p:cSld>
+    <p:spTree>
+      <p:nvGrpSpPr>
+        <p:cNvPr id="1" name="">
+          <a:extLst>
+            <a:ext uri="{FF2B5EF4-FFF2-40B4-BE49-F238E27FC236}">
+              <a16:creationId xmlns:a16="http://schemas.microsoft.com/office/drawing/2014/main" id="{C048A1AB-B4F3-330C-DB17-6FDD9E5C2190}"/>
+            </a:ext>
+          </a:extLst>
+        </p:cNvPr>
+        <p:cNvGrpSpPr/>
+        <p:nvPr/>
+      </p:nvGrpSpPr>
+      <p:grpSpPr>
+        <a:xfrm>
+          <a:off x="0" y="0"/>
+          <a:ext cx="0" cy="0"/>
+          <a:chOff x="0" y="0"/>
+          <a:chExt cx="0" cy="0"/>
+        </a:xfrm>
+      </p:grpSpPr>
+      <p:sp>
+        <p:nvSpPr>
+          <p:cNvPr id="2" name="Title 1">
+            <a:extLst>
+              <a:ext uri="{FF2B5EF4-FFF2-40B4-BE49-F238E27FC236}">
+                <a16:creationId xmlns:a16="http://schemas.microsoft.com/office/drawing/2014/main" id="{F316C8EE-77C6-3E84-1C3B-571E91E07848}"/>
+              </a:ext>
+            </a:extLst>
+          </p:cNvPr>
+          <p:cNvSpPr>
+            <a:spLocks noGrp="1"/>
+          </p:cNvSpPr>
+          <p:nvPr>
+            <p:ph type="title"/>
+          </p:nvPr>
+        </p:nvSpPr>
+        <p:spPr/>
+        <p:txBody>
+          <a:bodyPr/>
+          <a:lstStyle/>
+          <a:p>
+            <a:r>
+              <a:rPr lang="en-US" dirty="0"/>
+              <a:t>Forgot Password Page</a:t>
+            </a:r>
+          </a:p>
+        </p:txBody>
+      </p:sp>
+      <p:sp>
+        <p:nvSpPr>
+          <p:cNvPr id="3" name="Content Placeholder 2">
+            <a:extLst>
+              <a:ext uri="{FF2B5EF4-FFF2-40B4-BE49-F238E27FC236}">
+                <a16:creationId xmlns:a16="http://schemas.microsoft.com/office/drawing/2014/main" id="{109B7340-D73C-3FDA-D59F-2310106A1050}"/>
+              </a:ext>
+            </a:extLst>
+          </p:cNvPr>
+          <p:cNvSpPr>
+            <a:spLocks noGrp="1"/>
+          </p:cNvSpPr>
+          <p:nvPr>
+            <p:ph idx="1"/>
+          </p:nvPr>
+        </p:nvSpPr>
+        <p:spPr>
+          <a:xfrm>
+            <a:off x="838200" y="1825625"/>
+            <a:ext cx="6962775" cy="4351338"/>
+          </a:xfrm>
+        </p:spPr>
+        <p:txBody>
+          <a:bodyPr/>
+          <a:lstStyle/>
+          <a:p>
+            <a:r>
+              <a:rPr lang="en-US" dirty="0"/>
+              <a:t>The forgot password page will allow the user to change their password only if they input a valid password.</a:t>
+            </a:r>
+          </a:p>
+        </p:txBody>
+      </p:sp>
+      <p:pic>
+        <p:nvPicPr>
+          <p:cNvPr id="6" name="Picture 5">
+            <a:extLst>
+              <a:ext uri="{FF2B5EF4-FFF2-40B4-BE49-F238E27FC236}">
+                <a16:creationId xmlns:a16="http://schemas.microsoft.com/office/drawing/2014/main" id="{75C18F25-5A2D-5769-131F-41ADD69EE314}"/>
+              </a:ext>
+            </a:extLst>
+          </p:cNvPr>
+          <p:cNvPicPr>
+            <a:picLocks noChangeAspect="1"/>
+          </p:cNvPicPr>
+          <p:nvPr/>
+        </p:nvPicPr>
+        <p:blipFill>
+          <a:blip r:embed="rId2"/>
+          <a:stretch>
+            <a:fillRect/>
+          </a:stretch>
+        </p:blipFill>
+        <p:spPr>
+          <a:xfrm>
+            <a:off x="8203098" y="226478"/>
+            <a:ext cx="3150702" cy="6405044"/>
+          </a:xfrm>
+          <a:prstGeom prst="rect">
+            <a:avLst/>
+          </a:prstGeom>
+        </p:spPr>
+      </p:pic>
+    </p:spTree>
+    <p:extLst>
+      <p:ext uri="{BB962C8B-B14F-4D97-AF65-F5344CB8AC3E}">
+        <p14:creationId xmlns:p14="http://schemas.microsoft.com/office/powerpoint/2010/main" val="3042546648"/>
+      </p:ext>
+    </p:extLst>
+  </p:cSld>
+  <p:clrMapOvr>
+    <a:masterClrMapping/>
+  </p:clrMapOvr>
+</p:sld>
+</file>
+
+<file path=ppt/slides/slide12.xml><?xml version="1.0" encoding="utf-8"?>
+<p:sld xmlns:a="http://schemas.openxmlformats.org/drawingml/2006/main" xmlns:r="http://schemas.openxmlformats.org/officeDocument/2006/relationships" xmlns:p="http://schemas.openxmlformats.org/presentationml/2006/main">
+  <p:cSld>
+    <p:spTree>
+      <p:nvGrpSpPr>
+        <p:cNvPr id="1" name="">
+          <a:extLst>
+            <a:ext uri="{FF2B5EF4-FFF2-40B4-BE49-F238E27FC236}">
+              <a16:creationId xmlns:a16="http://schemas.microsoft.com/office/drawing/2014/main" id="{7BD583BA-7566-EE3C-2DFD-5FED61AC8501}"/>
+            </a:ext>
+          </a:extLst>
+        </p:cNvPr>
+        <p:cNvGrpSpPr/>
+        <p:nvPr/>
+      </p:nvGrpSpPr>
+      <p:grpSpPr>
+        <a:xfrm>
+          <a:off x="0" y="0"/>
+          <a:ext cx="0" cy="0"/>
+          <a:chOff x="0" y="0"/>
+          <a:chExt cx="0" cy="0"/>
+        </a:xfrm>
+      </p:grpSpPr>
+      <p:sp>
+        <p:nvSpPr>
+          <p:cNvPr id="2" name="Title 1">
+            <a:extLst>
+              <a:ext uri="{FF2B5EF4-FFF2-40B4-BE49-F238E27FC236}">
+                <a16:creationId xmlns:a16="http://schemas.microsoft.com/office/drawing/2014/main" id="{E3BBBC9C-60A4-D747-EFE0-B974310E5A06}"/>
+              </a:ext>
+            </a:extLst>
+          </p:cNvPr>
+          <p:cNvSpPr>
+            <a:spLocks noGrp="1"/>
+          </p:cNvSpPr>
+          <p:nvPr>
+            <p:ph type="title"/>
+          </p:nvPr>
+        </p:nvSpPr>
+        <p:spPr/>
+        <p:txBody>
+          <a:bodyPr/>
+          <a:lstStyle/>
+          <a:p>
+            <a:r>
+              <a:rPr lang="en-US" dirty="0"/>
+              <a:t>Settings Page</a:t>
+            </a:r>
+          </a:p>
+        </p:txBody>
+      </p:sp>
+      <p:sp>
+        <p:nvSpPr>
+          <p:cNvPr id="3" name="Content Placeholder 2">
+            <a:extLst>
+              <a:ext uri="{FF2B5EF4-FFF2-40B4-BE49-F238E27FC236}">
+                <a16:creationId xmlns:a16="http://schemas.microsoft.com/office/drawing/2014/main" id="{524A4270-FC68-A1D5-C39D-3E366E9AD529}"/>
+              </a:ext>
+            </a:extLst>
+          </p:cNvPr>
+          <p:cNvSpPr>
+            <a:spLocks noGrp="1"/>
+          </p:cNvSpPr>
+          <p:nvPr>
+            <p:ph idx="1"/>
+          </p:nvPr>
+        </p:nvSpPr>
+        <p:spPr>
+          <a:xfrm>
+            <a:off x="838200" y="1825625"/>
+            <a:ext cx="6962775" cy="4351338"/>
+          </a:xfrm>
+        </p:spPr>
+        <p:txBody>
+          <a:bodyPr/>
+          <a:lstStyle/>
+          <a:p>
+            <a:r>
+              <a:rPr lang="en-US" dirty="0"/>
+              <a:t>The settings page will allow the user to change certain aspects about the application such as:</a:t>
+            </a:r>
+          </a:p>
+          <a:p>
+            <a:pPr lvl="1"/>
+            <a:r>
+              <a:rPr lang="en-US" dirty="0"/>
+              <a:t>The theme</a:t>
+            </a:r>
+          </a:p>
+          <a:p>
+            <a:pPr lvl="1"/>
+            <a:r>
+              <a:rPr lang="en-US" dirty="0"/>
+              <a:t>The language</a:t>
+            </a:r>
+          </a:p>
+        </p:txBody>
+      </p:sp>
+      <p:pic>
+        <p:nvPicPr>
+          <p:cNvPr id="4" name="Picture 3">
+            <a:extLst>
+              <a:ext uri="{FF2B5EF4-FFF2-40B4-BE49-F238E27FC236}">
+                <a16:creationId xmlns:a16="http://schemas.microsoft.com/office/drawing/2014/main" id="{6039754E-EB3C-1733-B859-83CF8D853D23}"/>
+              </a:ext>
+            </a:extLst>
+          </p:cNvPr>
+          <p:cNvPicPr>
+            <a:picLocks noChangeAspect="1"/>
+          </p:cNvPicPr>
+          <p:nvPr/>
+        </p:nvPicPr>
+        <p:blipFill>
+          <a:blip r:embed="rId2"/>
+          <a:stretch>
+            <a:fillRect/>
+          </a:stretch>
+        </p:blipFill>
+        <p:spPr>
+          <a:xfrm>
+            <a:off x="8187612" y="226478"/>
+            <a:ext cx="3166188" cy="6405044"/>
+          </a:xfrm>
+          <a:prstGeom prst="rect">
+            <a:avLst/>
+          </a:prstGeom>
+        </p:spPr>
+      </p:pic>
+    </p:spTree>
+    <p:extLst>
+      <p:ext uri="{BB962C8B-B14F-4D97-AF65-F5344CB8AC3E}">
+        <p14:creationId xmlns:p14="http://schemas.microsoft.com/office/powerpoint/2010/main" val="1748207756"/>
+      </p:ext>
+    </p:extLst>
+  </p:cSld>
+  <p:clrMapOvr>
+    <a:masterClrMapping/>
+  </p:clrMapOvr>
+</p:sld>
+</file>
+
 <file path=ppt/slides/slide2.xml><?xml version="1.0" encoding="utf-8"?>
 <p:sld xmlns:a="http://schemas.openxmlformats.org/drawingml/2006/main" xmlns:r="http://schemas.openxmlformats.org/officeDocument/2006/relationships" xmlns:p="http://schemas.openxmlformats.org/presentationml/2006/main">
   <p:cSld>
@@ -3461,13 +3864,49 @@
         </p:nvSpPr>
         <p:spPr/>
         <p:txBody>
-          <a:bodyPr/>
+          <a:bodyPr>
+            <a:normAutofit/>
+          </a:bodyPr>
           <a:lstStyle/>
           <a:p>
             <a:r>
               <a:rPr lang="en-US" dirty="0"/>
               <a:t>BloodLife is a mobile application that allows its users to log into their accounts and register for any upcoming blood drives that are taking place. </a:t>
             </a:r>
+          </a:p>
+          <a:p>
+            <a:r>
+              <a:rPr lang="en-US" dirty="0"/>
+              <a:t>The application has a total of (# of screens here) screen flows.</a:t>
+            </a:r>
+          </a:p>
+          <a:p>
+            <a:r>
+              <a:rPr lang="en-US" dirty="0"/>
+              <a:t>The database chosen for this application is SQLite.</a:t>
+            </a:r>
+          </a:p>
+          <a:p>
+            <a:endParaRPr lang="en-US" dirty="0"/>
+          </a:p>
+          <a:p>
+            <a:endParaRPr lang="en-US" dirty="0"/>
+          </a:p>
+          <a:p>
+            <a:r>
+              <a:rPr lang="en-US" dirty="0"/>
+              <a:t>GitHub Link:</a:t>
+            </a:r>
+          </a:p>
+          <a:p>
+            <a:pPr lvl="1"/>
+            <a:r>
+              <a:rPr lang="en-US" dirty="0">
+                <a:hlinkClick r:id="rId2"/>
+              </a:rPr>
+              <a:t>https://github.com/gennarofinelli/AppDev2Project</a:t>
+            </a:r>
+            <a:endParaRPr lang="en-US" dirty="0"/>
           </a:p>
         </p:txBody>
       </p:sp>
@@ -3489,6 +3928,139 @@
   <p:cSld>
     <p:spTree>
       <p:nvGrpSpPr>
+        <p:cNvPr id="1" name="">
+          <a:extLst>
+            <a:ext uri="{FF2B5EF4-FFF2-40B4-BE49-F238E27FC236}">
+              <a16:creationId xmlns:a16="http://schemas.microsoft.com/office/drawing/2014/main" id="{FBACA8B3-2F9E-1239-CE0B-30AF67420203}"/>
+            </a:ext>
+          </a:extLst>
+        </p:cNvPr>
+        <p:cNvGrpSpPr/>
+        <p:nvPr/>
+      </p:nvGrpSpPr>
+      <p:grpSpPr>
+        <a:xfrm>
+          <a:off x="0" y="0"/>
+          <a:ext cx="0" cy="0"/>
+          <a:chOff x="0" y="0"/>
+          <a:chExt cx="0" cy="0"/>
+        </a:xfrm>
+      </p:grpSpPr>
+      <p:sp>
+        <p:nvSpPr>
+          <p:cNvPr id="2" name="Title 1">
+            <a:extLst>
+              <a:ext uri="{FF2B5EF4-FFF2-40B4-BE49-F238E27FC236}">
+                <a16:creationId xmlns:a16="http://schemas.microsoft.com/office/drawing/2014/main" id="{F9415FF5-7216-A682-77EE-826842985E4A}"/>
+              </a:ext>
+            </a:extLst>
+          </p:cNvPr>
+          <p:cNvSpPr>
+            <a:spLocks noGrp="1"/>
+          </p:cNvSpPr>
+          <p:nvPr>
+            <p:ph type="title"/>
+          </p:nvPr>
+        </p:nvSpPr>
+        <p:spPr/>
+        <p:txBody>
+          <a:bodyPr/>
+          <a:lstStyle/>
+          <a:p>
+            <a:r>
+              <a:rPr lang="en-US" dirty="0"/>
+              <a:t>Splash Screen</a:t>
+            </a:r>
+          </a:p>
+        </p:txBody>
+      </p:sp>
+      <p:sp>
+        <p:nvSpPr>
+          <p:cNvPr id="3" name="Content Placeholder 2">
+            <a:extLst>
+              <a:ext uri="{FF2B5EF4-FFF2-40B4-BE49-F238E27FC236}">
+                <a16:creationId xmlns:a16="http://schemas.microsoft.com/office/drawing/2014/main" id="{6ABC610B-6BB3-32F6-0350-609855AD48BD}"/>
+              </a:ext>
+            </a:extLst>
+          </p:cNvPr>
+          <p:cNvSpPr>
+            <a:spLocks noGrp="1"/>
+          </p:cNvSpPr>
+          <p:nvPr>
+            <p:ph idx="1"/>
+          </p:nvPr>
+        </p:nvSpPr>
+        <p:spPr>
+          <a:xfrm>
+            <a:off x="838200" y="1825625"/>
+            <a:ext cx="6962775" cy="4351338"/>
+          </a:xfrm>
+        </p:spPr>
+        <p:txBody>
+          <a:bodyPr/>
+          <a:lstStyle/>
+          <a:p>
+            <a:r>
+              <a:rPr lang="en-US" dirty="0"/>
+              <a:t>The splash screen will be the first thing the user sees upon opening the application.</a:t>
+            </a:r>
+          </a:p>
+          <a:p>
+            <a:r>
+              <a:rPr lang="en-US" dirty="0"/>
+              <a:t>It will last for only a couple of seconds.</a:t>
+            </a:r>
+          </a:p>
+        </p:txBody>
+      </p:sp>
+      <p:pic>
+        <p:nvPicPr>
+          <p:cNvPr id="5" name="Picture 4">
+            <a:extLst>
+              <a:ext uri="{FF2B5EF4-FFF2-40B4-BE49-F238E27FC236}">
+                <a16:creationId xmlns:a16="http://schemas.microsoft.com/office/drawing/2014/main" id="{953FEB9D-5ADC-826B-3644-C6265CBA2A45}"/>
+              </a:ext>
+            </a:extLst>
+          </p:cNvPr>
+          <p:cNvPicPr>
+            <a:picLocks noChangeAspect="1"/>
+          </p:cNvPicPr>
+          <p:nvPr/>
+        </p:nvPicPr>
+        <p:blipFill>
+          <a:blip r:embed="rId2"/>
+          <a:stretch>
+            <a:fillRect/>
+          </a:stretch>
+        </p:blipFill>
+        <p:spPr>
+          <a:xfrm>
+            <a:off x="8215997" y="248794"/>
+            <a:ext cx="3137803" cy="6360411"/>
+          </a:xfrm>
+          <a:prstGeom prst="rect">
+            <a:avLst/>
+          </a:prstGeom>
+        </p:spPr>
+      </p:pic>
+    </p:spTree>
+    <p:extLst>
+      <p:ext uri="{BB962C8B-B14F-4D97-AF65-F5344CB8AC3E}">
+        <p14:creationId xmlns:p14="http://schemas.microsoft.com/office/powerpoint/2010/main" val="3693226239"/>
+      </p:ext>
+    </p:extLst>
+  </p:cSld>
+  <p:clrMapOvr>
+    <a:masterClrMapping/>
+  </p:clrMapOvr>
+</p:sld>
+</file>
+
+<file path=ppt/slides/slide4.xml><?xml version="1.0" encoding="utf-8"?>
+<p:sld xmlns:a="http://schemas.openxmlformats.org/drawingml/2006/main" xmlns:r="http://schemas.openxmlformats.org/officeDocument/2006/relationships" xmlns:p="http://schemas.openxmlformats.org/presentationml/2006/main">
+  <p:cSld>
+    <p:spTree>
+      <p:nvGrpSpPr>
         <p:cNvPr id="1" name=""/>
         <p:cNvGrpSpPr/>
         <p:nvPr/>
@@ -3525,6 +4097,53 @@
             <a:r>
               <a:rPr lang="en-US" dirty="0"/>
               <a:t>Start Page</a:t>
+            </a:r>
+          </a:p>
+        </p:txBody>
+      </p:sp>
+      <p:sp>
+        <p:nvSpPr>
+          <p:cNvPr id="3" name="Content Placeholder 2">
+            <a:extLst>
+              <a:ext uri="{FF2B5EF4-FFF2-40B4-BE49-F238E27FC236}">
+                <a16:creationId xmlns:a16="http://schemas.microsoft.com/office/drawing/2014/main" id="{25467D45-6AD6-FF34-B4CC-92AEDBF074F0}"/>
+              </a:ext>
+            </a:extLst>
+          </p:cNvPr>
+          <p:cNvSpPr>
+            <a:spLocks noGrp="1"/>
+          </p:cNvSpPr>
+          <p:nvPr>
+            <p:ph idx="1"/>
+          </p:nvPr>
+        </p:nvSpPr>
+        <p:spPr>
+          <a:xfrm>
+            <a:off x="838200" y="1825625"/>
+            <a:ext cx="6962775" cy="4351338"/>
+          </a:xfrm>
+        </p:spPr>
+        <p:txBody>
+          <a:bodyPr/>
+          <a:lstStyle/>
+          <a:p>
+            <a:r>
+              <a:rPr lang="en-US" dirty="0"/>
+              <a:t>The start page presents the user with two buttons:</a:t>
+            </a:r>
+          </a:p>
+          <a:p>
+            <a:pPr lvl="1"/>
+            <a:r>
+              <a:rPr lang="en-US" dirty="0"/>
+              <a:t>The first allows the user to login to an existing account</a:t>
+            </a:r>
+          </a:p>
+          <a:p>
+            <a:pPr lvl="1"/>
+            <a:r>
+              <a:rPr lang="en-US" dirty="0"/>
+              <a:t>The second allows the user to sign up if they’re new to the application.</a:t>
             </a:r>
           </a:p>
         </p:txBody>
@@ -3572,100 +4191,6 @@
 </p:sld>
 </file>
 
-<file path=ppt/slides/slide4.xml><?xml version="1.0" encoding="utf-8"?>
-<p:sld xmlns:a="http://schemas.openxmlformats.org/drawingml/2006/main" xmlns:r="http://schemas.openxmlformats.org/officeDocument/2006/relationships" xmlns:p="http://schemas.openxmlformats.org/presentationml/2006/main">
-  <p:cSld>
-    <p:spTree>
-      <p:nvGrpSpPr>
-        <p:cNvPr id="1" name="">
-          <a:extLst>
-            <a:ext uri="{FF2B5EF4-FFF2-40B4-BE49-F238E27FC236}">
-              <a16:creationId xmlns:a16="http://schemas.microsoft.com/office/drawing/2014/main" id="{7DCF2F7B-B3CC-AE4F-799E-C493D5FAFF5F}"/>
-            </a:ext>
-          </a:extLst>
-        </p:cNvPr>
-        <p:cNvGrpSpPr/>
-        <p:nvPr/>
-      </p:nvGrpSpPr>
-      <p:grpSpPr>
-        <a:xfrm>
-          <a:off x="0" y="0"/>
-          <a:ext cx="0" cy="0"/>
-          <a:chOff x="0" y="0"/>
-          <a:chExt cx="0" cy="0"/>
-        </a:xfrm>
-      </p:grpSpPr>
-      <p:sp>
-        <p:nvSpPr>
-          <p:cNvPr id="2" name="Title 1">
-            <a:extLst>
-              <a:ext uri="{FF2B5EF4-FFF2-40B4-BE49-F238E27FC236}">
-                <a16:creationId xmlns:a16="http://schemas.microsoft.com/office/drawing/2014/main" id="{33A559EB-9728-8683-6235-7053F3B5F0B5}"/>
-              </a:ext>
-            </a:extLst>
-          </p:cNvPr>
-          <p:cNvSpPr>
-            <a:spLocks noGrp="1"/>
-          </p:cNvSpPr>
-          <p:nvPr>
-            <p:ph type="title"/>
-          </p:nvPr>
-        </p:nvSpPr>
-        <p:spPr/>
-        <p:txBody>
-          <a:bodyPr/>
-          <a:lstStyle/>
-          <a:p>
-            <a:r>
-              <a:rPr lang="en-US" dirty="0"/>
-              <a:t>Login Page</a:t>
-            </a:r>
-          </a:p>
-        </p:txBody>
-      </p:sp>
-      <p:pic>
-        <p:nvPicPr>
-          <p:cNvPr id="3" name="Picture 2">
-            <a:extLst>
-              <a:ext uri="{FF2B5EF4-FFF2-40B4-BE49-F238E27FC236}">
-                <a16:creationId xmlns:a16="http://schemas.microsoft.com/office/drawing/2014/main" id="{D058BE0E-ADAA-B93F-EC04-A05B1407D7BD}"/>
-              </a:ext>
-            </a:extLst>
-          </p:cNvPr>
-          <p:cNvPicPr>
-            <a:picLocks noChangeAspect="1"/>
-          </p:cNvPicPr>
-          <p:nvPr/>
-        </p:nvPicPr>
-        <p:blipFill>
-          <a:blip r:embed="rId2"/>
-          <a:stretch>
-            <a:fillRect/>
-          </a:stretch>
-        </p:blipFill>
-        <p:spPr>
-          <a:xfrm>
-            <a:off x="8196069" y="248794"/>
-            <a:ext cx="3157731" cy="6360411"/>
-          </a:xfrm>
-          <a:prstGeom prst="rect">
-            <a:avLst/>
-          </a:prstGeom>
-        </p:spPr>
-      </p:pic>
-    </p:spTree>
-    <p:extLst>
-      <p:ext uri="{BB962C8B-B14F-4D97-AF65-F5344CB8AC3E}">
-        <p14:creationId xmlns:p14="http://schemas.microsoft.com/office/powerpoint/2010/main" val="646171642"/>
-      </p:ext>
-    </p:extLst>
-  </p:cSld>
-  <p:clrMapOvr>
-    <a:masterClrMapping/>
-  </p:clrMapOvr>
-</p:sld>
-</file>
-
 <file path=ppt/slides/slide5.xml><?xml version="1.0" encoding="utf-8"?>
 <p:sld xmlns:a="http://schemas.openxmlformats.org/drawingml/2006/main" xmlns:r="http://schemas.openxmlformats.org/officeDocument/2006/relationships" xmlns:p="http://schemas.openxmlformats.org/presentationml/2006/main">
   <p:cSld>
@@ -3747,6 +4272,45 @@
           </a:prstGeom>
         </p:spPr>
       </p:pic>
+      <p:sp>
+        <p:nvSpPr>
+          <p:cNvPr id="4" name="Content Placeholder 2">
+            <a:extLst>
+              <a:ext uri="{FF2B5EF4-FFF2-40B4-BE49-F238E27FC236}">
+                <a16:creationId xmlns:a16="http://schemas.microsoft.com/office/drawing/2014/main" id="{737E8716-F001-8BDC-9BBF-0FC667DDCFEE}"/>
+              </a:ext>
+            </a:extLst>
+          </p:cNvPr>
+          <p:cNvSpPr>
+            <a:spLocks noGrp="1"/>
+          </p:cNvSpPr>
+          <p:nvPr>
+            <p:ph idx="1"/>
+          </p:nvPr>
+        </p:nvSpPr>
+        <p:spPr>
+          <a:xfrm>
+            <a:off x="838200" y="1825625"/>
+            <a:ext cx="6962775" cy="4351338"/>
+          </a:xfrm>
+        </p:spPr>
+        <p:txBody>
+          <a:bodyPr/>
+          <a:lstStyle/>
+          <a:p>
+            <a:r>
+              <a:rPr lang="en-US" dirty="0"/>
+              <a:t>The sign up page requests the user to input their name, age, email, password, and their blood type.</a:t>
+            </a:r>
+          </a:p>
+          <a:p>
+            <a:r>
+              <a:rPr lang="en-US" dirty="0"/>
+              <a:t>If all inputs are valid, the user gets stored into the database and brought back to the start page.</a:t>
+            </a:r>
+          </a:p>
+        </p:txBody>
+      </p:sp>
     </p:spTree>
     <p:extLst>
       <p:ext uri="{BB962C8B-B14F-4D97-AF65-F5344CB8AC3E}">
@@ -3761,6 +4325,139 @@
 </file>
 
 <file path=ppt/slides/slide6.xml><?xml version="1.0" encoding="utf-8"?>
+<p:sld xmlns:a="http://schemas.openxmlformats.org/drawingml/2006/main" xmlns:r="http://schemas.openxmlformats.org/officeDocument/2006/relationships" xmlns:p="http://schemas.openxmlformats.org/presentationml/2006/main">
+  <p:cSld>
+    <p:spTree>
+      <p:nvGrpSpPr>
+        <p:cNvPr id="1" name="">
+          <a:extLst>
+            <a:ext uri="{FF2B5EF4-FFF2-40B4-BE49-F238E27FC236}">
+              <a16:creationId xmlns:a16="http://schemas.microsoft.com/office/drawing/2014/main" id="{7DCF2F7B-B3CC-AE4F-799E-C493D5FAFF5F}"/>
+            </a:ext>
+          </a:extLst>
+        </p:cNvPr>
+        <p:cNvGrpSpPr/>
+        <p:nvPr/>
+      </p:nvGrpSpPr>
+      <p:grpSpPr>
+        <a:xfrm>
+          <a:off x="0" y="0"/>
+          <a:ext cx="0" cy="0"/>
+          <a:chOff x="0" y="0"/>
+          <a:chExt cx="0" cy="0"/>
+        </a:xfrm>
+      </p:grpSpPr>
+      <p:sp>
+        <p:nvSpPr>
+          <p:cNvPr id="2" name="Title 1">
+            <a:extLst>
+              <a:ext uri="{FF2B5EF4-FFF2-40B4-BE49-F238E27FC236}">
+                <a16:creationId xmlns:a16="http://schemas.microsoft.com/office/drawing/2014/main" id="{33A559EB-9728-8683-6235-7053F3B5F0B5}"/>
+              </a:ext>
+            </a:extLst>
+          </p:cNvPr>
+          <p:cNvSpPr>
+            <a:spLocks noGrp="1"/>
+          </p:cNvSpPr>
+          <p:nvPr>
+            <p:ph type="title"/>
+          </p:nvPr>
+        </p:nvSpPr>
+        <p:spPr/>
+        <p:txBody>
+          <a:bodyPr/>
+          <a:lstStyle/>
+          <a:p>
+            <a:r>
+              <a:rPr lang="en-US" dirty="0"/>
+              <a:t>Login Page</a:t>
+            </a:r>
+          </a:p>
+        </p:txBody>
+      </p:sp>
+      <p:pic>
+        <p:nvPicPr>
+          <p:cNvPr id="3" name="Picture 2">
+            <a:extLst>
+              <a:ext uri="{FF2B5EF4-FFF2-40B4-BE49-F238E27FC236}">
+                <a16:creationId xmlns:a16="http://schemas.microsoft.com/office/drawing/2014/main" id="{D058BE0E-ADAA-B93F-EC04-A05B1407D7BD}"/>
+              </a:ext>
+            </a:extLst>
+          </p:cNvPr>
+          <p:cNvPicPr>
+            <a:picLocks noChangeAspect="1"/>
+          </p:cNvPicPr>
+          <p:nvPr/>
+        </p:nvPicPr>
+        <p:blipFill>
+          <a:blip r:embed="rId2"/>
+          <a:stretch>
+            <a:fillRect/>
+          </a:stretch>
+        </p:blipFill>
+        <p:spPr>
+          <a:xfrm>
+            <a:off x="8196069" y="248794"/>
+            <a:ext cx="3157731" cy="6360411"/>
+          </a:xfrm>
+          <a:prstGeom prst="rect">
+            <a:avLst/>
+          </a:prstGeom>
+        </p:spPr>
+      </p:pic>
+      <p:sp>
+        <p:nvSpPr>
+          <p:cNvPr id="4" name="Content Placeholder 2">
+            <a:extLst>
+              <a:ext uri="{FF2B5EF4-FFF2-40B4-BE49-F238E27FC236}">
+                <a16:creationId xmlns:a16="http://schemas.microsoft.com/office/drawing/2014/main" id="{4CB2D98F-19C8-962C-0E59-6FE923C128B9}"/>
+              </a:ext>
+            </a:extLst>
+          </p:cNvPr>
+          <p:cNvSpPr>
+            <a:spLocks noGrp="1"/>
+          </p:cNvSpPr>
+          <p:nvPr>
+            <p:ph idx="1"/>
+          </p:nvPr>
+        </p:nvSpPr>
+        <p:spPr>
+          <a:xfrm>
+            <a:off x="838200" y="1825625"/>
+            <a:ext cx="6962775" cy="4351338"/>
+          </a:xfrm>
+        </p:spPr>
+        <p:txBody>
+          <a:bodyPr/>
+          <a:lstStyle/>
+          <a:p>
+            <a:r>
+              <a:rPr lang="en-US" dirty="0"/>
+              <a:t>The login page requests the user to input their email and password to login to their account. </a:t>
+            </a:r>
+          </a:p>
+          <a:p>
+            <a:r>
+              <a:rPr lang="en-US" dirty="0"/>
+              <a:t>If successful, they’re brought to the home page.</a:t>
+            </a:r>
+          </a:p>
+        </p:txBody>
+      </p:sp>
+    </p:spTree>
+    <p:extLst>
+      <p:ext uri="{BB962C8B-B14F-4D97-AF65-F5344CB8AC3E}">
+        <p14:creationId xmlns:p14="http://schemas.microsoft.com/office/powerpoint/2010/main" val="646171642"/>
+      </p:ext>
+    </p:extLst>
+  </p:cSld>
+  <p:clrMapOvr>
+    <a:masterClrMapping/>
+  </p:clrMapOvr>
+</p:sld>
+</file>
+
+<file path=ppt/slides/slide7.xml><?xml version="1.0" encoding="utf-8"?>
 <p:sld xmlns:a="http://schemas.openxmlformats.org/drawingml/2006/main" xmlns:r="http://schemas.openxmlformats.org/officeDocument/2006/relationships" xmlns:p="http://schemas.openxmlformats.org/presentationml/2006/main">
   <p:cSld>
     <p:spTree>
@@ -3841,6 +4538,65 @@
           </a:prstGeom>
         </p:spPr>
       </p:pic>
+      <p:sp>
+        <p:nvSpPr>
+          <p:cNvPr id="3" name="Content Placeholder 2">
+            <a:extLst>
+              <a:ext uri="{FF2B5EF4-FFF2-40B4-BE49-F238E27FC236}">
+                <a16:creationId xmlns:a16="http://schemas.microsoft.com/office/drawing/2014/main" id="{1B426811-C0BE-4CFE-0956-DC38DD972DB2}"/>
+              </a:ext>
+            </a:extLst>
+          </p:cNvPr>
+          <p:cNvSpPr>
+            <a:spLocks noGrp="1"/>
+          </p:cNvSpPr>
+          <p:nvPr>
+            <p:ph idx="1"/>
+          </p:nvPr>
+        </p:nvSpPr>
+        <p:spPr>
+          <a:xfrm>
+            <a:off x="838200" y="1825625"/>
+            <a:ext cx="7083056" cy="4351338"/>
+          </a:xfrm>
+        </p:spPr>
+        <p:txBody>
+          <a:bodyPr>
+            <a:normAutofit fontScale="92500" lnSpcReduction="10000"/>
+          </a:bodyPr>
+          <a:lstStyle/>
+          <a:p>
+            <a:r>
+              <a:rPr lang="en-US" dirty="0"/>
+              <a:t>The home page shows the user a brief summary of BloodLife.</a:t>
+            </a:r>
+          </a:p>
+          <a:p>
+            <a:r>
+              <a:rPr lang="en-US" dirty="0"/>
+              <a:t>There is also a section that shows the user a few news panels that can show the upcoming blood drives.</a:t>
+            </a:r>
+          </a:p>
+          <a:p>
+            <a:r>
+              <a:rPr lang="en-US" dirty="0"/>
+              <a:t>There is a contact section that shows the user where they can reach BloodLife.</a:t>
+            </a:r>
+          </a:p>
+          <a:p>
+            <a:r>
+              <a:rPr lang="en-US" dirty="0"/>
+              <a:t>There is a nav bar located at the bottom with the main pages that the user wants to access.</a:t>
+            </a:r>
+          </a:p>
+          <a:p>
+            <a:r>
+              <a:rPr lang="en-US" dirty="0"/>
+              <a:t>There is a dropdown menu that will have smaller things such as settings or other pages.</a:t>
+            </a:r>
+          </a:p>
+        </p:txBody>
+      </p:sp>
     </p:spTree>
     <p:extLst>
       <p:ext uri="{BB962C8B-B14F-4D97-AF65-F5344CB8AC3E}">
@@ -3854,7 +4610,7 @@
 </p:sld>
 </file>
 
-<file path=ppt/slides/slide7.xml><?xml version="1.0" encoding="utf-8"?>
+<file path=ppt/slides/slide8.xml><?xml version="1.0" encoding="utf-8"?>
 <p:sld xmlns:a="http://schemas.openxmlformats.org/drawingml/2006/main" xmlns:r="http://schemas.openxmlformats.org/officeDocument/2006/relationships" xmlns:p="http://schemas.openxmlformats.org/presentationml/2006/main">
   <p:cSld>
     <p:spTree>
@@ -3935,6 +4691,45 @@
           </a:prstGeom>
         </p:spPr>
       </p:pic>
+      <p:sp>
+        <p:nvSpPr>
+          <p:cNvPr id="3" name="Content Placeholder 2">
+            <a:extLst>
+              <a:ext uri="{FF2B5EF4-FFF2-40B4-BE49-F238E27FC236}">
+                <a16:creationId xmlns:a16="http://schemas.microsoft.com/office/drawing/2014/main" id="{542CA9E4-C720-A48D-6776-24AB14A52977}"/>
+              </a:ext>
+            </a:extLst>
+          </p:cNvPr>
+          <p:cNvSpPr>
+            <a:spLocks noGrp="1"/>
+          </p:cNvSpPr>
+          <p:nvPr>
+            <p:ph idx="1"/>
+          </p:nvPr>
+        </p:nvSpPr>
+        <p:spPr>
+          <a:xfrm>
+            <a:off x="838200" y="1825625"/>
+            <a:ext cx="6962775" cy="4351338"/>
+          </a:xfrm>
+        </p:spPr>
+        <p:txBody>
+          <a:bodyPr/>
+          <a:lstStyle/>
+          <a:p>
+            <a:r>
+              <a:rPr lang="en-US" dirty="0"/>
+              <a:t>The booking page has a calendar on the top section of the page that highlights the current date in blue, and upcoming event dates in red.</a:t>
+            </a:r>
+          </a:p>
+          <a:p>
+            <a:r>
+              <a:rPr lang="en-US" dirty="0"/>
+              <a:t>The bottom of the page allows the user to view any of the upcoming events and register to attend one of the blood drives.</a:t>
+            </a:r>
+          </a:p>
+        </p:txBody>
+      </p:sp>
     </p:spTree>
     <p:extLst>
       <p:ext uri="{BB962C8B-B14F-4D97-AF65-F5344CB8AC3E}">
@@ -3948,7 +4743,7 @@
 </p:sld>
 </file>
 
-<file path=ppt/slides/slide8.xml><?xml version="1.0" encoding="utf-8"?>
+<file path=ppt/slides/slide9.xml><?xml version="1.0" encoding="utf-8"?>
 <p:sld xmlns:a="http://schemas.openxmlformats.org/drawingml/2006/main" xmlns:r="http://schemas.openxmlformats.org/officeDocument/2006/relationships" xmlns:p="http://schemas.openxmlformats.org/presentationml/2006/main">
   <p:cSld>
     <p:spTree>
@@ -3999,74 +4794,40 @@
           </a:p>
         </p:txBody>
       </p:sp>
+      <p:sp>
+        <p:nvSpPr>
+          <p:cNvPr id="3" name="Content Placeholder 2">
+            <a:extLst>
+              <a:ext uri="{FF2B5EF4-FFF2-40B4-BE49-F238E27FC236}">
+                <a16:creationId xmlns:a16="http://schemas.microsoft.com/office/drawing/2014/main" id="{55842F1B-6C39-D3FE-4155-341D88CAC795}"/>
+              </a:ext>
+            </a:extLst>
+          </p:cNvPr>
+          <p:cNvSpPr>
+            <a:spLocks noGrp="1"/>
+          </p:cNvSpPr>
+          <p:nvPr>
+            <p:ph idx="1"/>
+          </p:nvPr>
+        </p:nvSpPr>
+        <p:spPr>
+          <a:xfrm>
+            <a:off x="838200" y="1825625"/>
+            <a:ext cx="6962775" cy="4351338"/>
+          </a:xfrm>
+        </p:spPr>
+        <p:txBody>
+          <a:bodyPr/>
+          <a:lstStyle/>
+          <a:p>
+            <a:endParaRPr lang="en-US" dirty="0"/>
+          </a:p>
+        </p:txBody>
+      </p:sp>
     </p:spTree>
     <p:extLst>
       <p:ext uri="{BB962C8B-B14F-4D97-AF65-F5344CB8AC3E}">
         <p14:creationId xmlns:p14="http://schemas.microsoft.com/office/powerpoint/2010/main" val="906346520"/>
-      </p:ext>
-    </p:extLst>
-  </p:cSld>
-  <p:clrMapOvr>
-    <a:masterClrMapping/>
-  </p:clrMapOvr>
-</p:sld>
-</file>
-
-<file path=ppt/slides/slide9.xml><?xml version="1.0" encoding="utf-8"?>
-<p:sld xmlns:a="http://schemas.openxmlformats.org/drawingml/2006/main" xmlns:r="http://schemas.openxmlformats.org/officeDocument/2006/relationships" xmlns:p="http://schemas.openxmlformats.org/presentationml/2006/main">
-  <p:cSld>
-    <p:spTree>
-      <p:nvGrpSpPr>
-        <p:cNvPr id="1" name="">
-          <a:extLst>
-            <a:ext uri="{FF2B5EF4-FFF2-40B4-BE49-F238E27FC236}">
-              <a16:creationId xmlns:a16="http://schemas.microsoft.com/office/drawing/2014/main" id="{5CC0637A-4F4C-856E-5857-90CBAA65A206}"/>
-            </a:ext>
-          </a:extLst>
-        </p:cNvPr>
-        <p:cNvGrpSpPr/>
-        <p:nvPr/>
-      </p:nvGrpSpPr>
-      <p:grpSpPr>
-        <a:xfrm>
-          <a:off x="0" y="0"/>
-          <a:ext cx="0" cy="0"/>
-          <a:chOff x="0" y="0"/>
-          <a:chExt cx="0" cy="0"/>
-        </a:xfrm>
-      </p:grpSpPr>
-      <p:sp>
-        <p:nvSpPr>
-          <p:cNvPr id="2" name="Title 1">
-            <a:extLst>
-              <a:ext uri="{FF2B5EF4-FFF2-40B4-BE49-F238E27FC236}">
-                <a16:creationId xmlns:a16="http://schemas.microsoft.com/office/drawing/2014/main" id="{5E37C241-CF2A-9FA3-8B4B-F9F2CA5ABD3B}"/>
-              </a:ext>
-            </a:extLst>
-          </p:cNvPr>
-          <p:cNvSpPr>
-            <a:spLocks noGrp="1"/>
-          </p:cNvSpPr>
-          <p:nvPr>
-            <p:ph type="title"/>
-          </p:nvPr>
-        </p:nvSpPr>
-        <p:spPr/>
-        <p:txBody>
-          <a:bodyPr/>
-          <a:lstStyle/>
-          <a:p>
-            <a:r>
-              <a:rPr lang="en-US" dirty="0"/>
-              <a:t>Profile Page</a:t>
-            </a:r>
-          </a:p>
-        </p:txBody>
-      </p:sp>
-    </p:spTree>
-    <p:extLst>
-      <p:ext uri="{BB962C8B-B14F-4D97-AF65-F5344CB8AC3E}">
-        <p14:creationId xmlns:p14="http://schemas.microsoft.com/office/powerpoint/2010/main" val="305238961"/>
       </p:ext>
     </p:extLst>
   </p:cSld>

--- a/BloodLife Presentation.pptx
+++ b/BloodLife Presentation.pptx
@@ -3877,7 +3877,7 @@
           <a:p>
             <a:r>
               <a:rPr lang="en-US" dirty="0"/>
-              <a:t>The application has a total of (# of screens here) screen flows.</a:t>
+              <a:t>The application has a total of 10 screen flows.</a:t>
             </a:r>
           </a:p>
           <a:p>
@@ -4820,10 +4820,66 @@
           <a:bodyPr/>
           <a:lstStyle/>
           <a:p>
+            <a:r>
+              <a:rPr lang="en-US" dirty="0"/>
+              <a:t>The notifications page shows all events past and upcoming.</a:t>
+            </a:r>
+          </a:p>
+          <a:p>
+            <a:r>
+              <a:rPr lang="en-US" dirty="0"/>
+              <a:t>This page shows details about the event such as the:</a:t>
+            </a:r>
+          </a:p>
+          <a:p>
+            <a:pPr lvl="1"/>
+            <a:r>
+              <a:rPr lang="en-US" dirty="0"/>
+              <a:t>Location</a:t>
+            </a:r>
+          </a:p>
+          <a:p>
+            <a:pPr lvl="1"/>
+            <a:r>
+              <a:rPr lang="en-US" dirty="0"/>
+              <a:t>Date</a:t>
+            </a:r>
+          </a:p>
+          <a:p>
             <a:endParaRPr lang="en-US" dirty="0"/>
           </a:p>
         </p:txBody>
       </p:sp>
+      <p:pic>
+        <p:nvPicPr>
+          <p:cNvPr id="4" name="Picture 3">
+            <a:extLst>
+              <a:ext uri="{FF2B5EF4-FFF2-40B4-BE49-F238E27FC236}">
+                <a16:creationId xmlns:a16="http://schemas.microsoft.com/office/drawing/2014/main" id="{72C4B0F7-A8F5-1642-E276-36A7D9AD16B7}"/>
+              </a:ext>
+            </a:extLst>
+          </p:cNvPr>
+          <p:cNvPicPr>
+            <a:picLocks noChangeAspect="1"/>
+          </p:cNvPicPr>
+          <p:nvPr/>
+        </p:nvPicPr>
+        <p:blipFill>
+          <a:blip r:embed="rId2"/>
+          <a:stretch>
+            <a:fillRect/>
+          </a:stretch>
+        </p:blipFill>
+        <p:spPr>
+          <a:xfrm>
+            <a:off x="8215035" y="226478"/>
+            <a:ext cx="3138765" cy="6405043"/>
+          </a:xfrm>
+          <a:prstGeom prst="rect">
+            <a:avLst/>
+          </a:prstGeom>
+        </p:spPr>
+      </p:pic>
     </p:spTree>
     <p:extLst>
       <p:ext uri="{BB962C8B-B14F-4D97-AF65-F5344CB8AC3E}">
